--- a/doc/9.Demo的力量.pptx
+++ b/doc/9.Demo的力量.pptx
@@ -2,7 +2,7 @@
 <file path=ppt/presentation.xml><?xml version="1.0" encoding="utf-8"?>
 <p:presentation xmlns:a="http://schemas.openxmlformats.org/drawingml/2006/main" xmlns:r="http://schemas.openxmlformats.org/officeDocument/2006/relationships" xmlns:p="http://schemas.openxmlformats.org/presentationml/2006/main" saveSubsetFonts="1" autoCompressPictures="0">
   <p:sldMasterIdLst>
-    <p:sldMasterId id="2147483648" r:id="rId1"/>
+    <p:sldMasterId id="2147484660" r:id="rId1"/>
   </p:sldMasterIdLst>
   <p:notesMasterIdLst>
     <p:notesMasterId r:id="rId13"/>
@@ -10,8 +10,8 @@
   <p:sldIdLst>
     <p:sldId id="256" r:id="rId2"/>
     <p:sldId id="262" r:id="rId3"/>
-    <p:sldId id="264" r:id="rId4"/>
-    <p:sldId id="265" r:id="rId5"/>
+    <p:sldId id="265" r:id="rId4"/>
+    <p:sldId id="264" r:id="rId5"/>
     <p:sldId id="257" r:id="rId6"/>
     <p:sldId id="259" r:id="rId7"/>
     <p:sldId id="260" r:id="rId8"/>
@@ -202,7 +202,7 @@
           <a:p>
             <a:fld id="{B86859C3-2692-784F-AC34-40A9E7B69405}" type="datetimeFigureOut">
               <a:rPr kumimoji="1" lang="zh-CN" altLang="en-US" smtClean="0"/>
-              <a:t>17/5/16</a:t>
+              <a:t>17/6/12</a:t>
             </a:fld>
             <a:endParaRPr kumimoji="1" lang="zh-CN" altLang="en-US"/>
           </a:p>
@@ -704,6 +704,62 @@
             </a:r>
           </a:p>
           <a:p>
+            <a:pPr>
+              <a:lnSpc>
+                <a:spcPct val="110000"/>
+              </a:lnSpc>
+            </a:pPr>
+            <a:r>
+              <a:rPr kumimoji="1" lang="zh-CN" altLang="en-US" sz="1200" dirty="0" smtClean="0"/>
+              <a:t>财政、银行、电信、物流</a:t>
+            </a:r>
+            <a:r>
+              <a:rPr kumimoji="1" lang="en-US" altLang="zh-CN" sz="1200" dirty="0" smtClean="0"/>
+              <a:t>……</a:t>
+            </a:r>
+            <a:r>
+              <a:rPr kumimoji="1" lang="zh-CN" altLang="en-US" sz="1200" dirty="0" smtClean="0"/>
+              <a:t>，</a:t>
+            </a:r>
+            <a:r>
+              <a:rPr kumimoji="1" lang="zh-CN" altLang="en-US" sz="1200" dirty="0" smtClean="0"/>
+              <a:t>业务知识的后期如没机会用很快生疏遗忘</a:t>
+            </a:r>
+            <a:endParaRPr kumimoji="1" lang="en-US" altLang="zh-CN" sz="1200" dirty="0" smtClean="0"/>
+          </a:p>
+          <a:p>
+            <a:pPr>
+              <a:lnSpc>
+                <a:spcPct val="110000"/>
+              </a:lnSpc>
+            </a:pPr>
+            <a:r>
+              <a:rPr kumimoji="1" lang="zh-CN" altLang="en-US" sz="1200" dirty="0" smtClean="0"/>
+              <a:t>依附在在业务项目里的技术点也跟着无法再被参考</a:t>
+            </a:r>
+            <a:endParaRPr kumimoji="1" lang="en-US" altLang="zh-CN" sz="1200" dirty="0" smtClean="0"/>
+          </a:p>
+          <a:p>
+            <a:pPr>
+              <a:lnSpc>
+                <a:spcPct val="110000"/>
+              </a:lnSpc>
+            </a:pPr>
+            <a:r>
+              <a:rPr kumimoji="1" lang="en-US" altLang="zh-CN" dirty="0" smtClean="0"/>
+              <a:t>TSS</a:t>
+            </a:r>
+            <a:r>
+              <a:rPr kumimoji="1" lang="zh-CN" altLang="en-US" dirty="0" smtClean="0"/>
+              <a:t>就是我的</a:t>
+            </a:r>
+            <a:r>
+              <a:rPr kumimoji="1" lang="zh-CN" altLang="en-US" dirty="0" smtClean="0"/>
+              <a:t>工具集</a:t>
+            </a:r>
+            <a:endParaRPr kumimoji="1" lang="en-US" altLang="zh-CN" sz="1200" dirty="0" smtClean="0"/>
+          </a:p>
+          <a:p>
             <a:endParaRPr kumimoji="1" lang="en-US" altLang="zh-CN" dirty="0" smtClean="0"/>
           </a:p>
           <a:p>
@@ -728,7 +784,7 @@
           <a:p>
             <a:fld id="{30E5BD0C-2667-BA41-90C5-58CB9DE5FD83}" type="slidenum">
               <a:rPr kumimoji="1" lang="zh-CN" altLang="en-US" smtClean="0"/>
-              <a:t>3</a:t>
+              <a:t>4</a:t>
             </a:fld>
             <a:endParaRPr kumimoji="1" lang="zh-CN" altLang="en-US"/>
           </a:p>
@@ -793,17 +849,11 @@
           <a:p>
             <a:r>
               <a:rPr kumimoji="1" lang="zh-CN" altLang="en-US" dirty="0" smtClean="0"/>
-              <a:t>学游泳、跳舞、武术，拆解成很多细节动作，再教学。</a:t>
-            </a:r>
-            <a:endParaRPr kumimoji="1" lang="en-US" altLang="zh-CN" dirty="0" smtClean="0"/>
-          </a:p>
-          <a:p>
-            <a:endParaRPr kumimoji="1" lang="en-US" altLang="zh-CN" dirty="0" smtClean="0"/>
-          </a:p>
-          <a:p>
-            <a:r>
-              <a:rPr kumimoji="1" lang="zh-CN" altLang="en-US" dirty="0" smtClean="0"/>
-              <a:t>博客是一种消化吸收知识再以自己的语言重新呈现的方式，有助于学习的过程。</a:t>
+              <a:t>博客是一种消化吸收知识再以</a:t>
+            </a:r>
+            <a:r>
+              <a:rPr kumimoji="1" lang="zh-CN" altLang="en-US" dirty="0" smtClean="0"/>
+              <a:t>自己的语言重新呈现的方式，有助于学习的过程。</a:t>
             </a:r>
           </a:p>
           <a:p>
@@ -907,6 +957,90 @@
 </file>
 
 <file path=ppt/notesSlides/notesSlide5.xml><?xml version="1.0" encoding="utf-8"?>
+<p:notes xmlns:a="http://schemas.openxmlformats.org/drawingml/2006/main" xmlns:r="http://schemas.openxmlformats.org/officeDocument/2006/relationships" xmlns:p="http://schemas.openxmlformats.org/presentationml/2006/main">
+  <p:cSld>
+    <p:spTree>
+      <p:nvGrpSpPr>
+        <p:cNvPr id="1" name=""/>
+        <p:cNvGrpSpPr/>
+        <p:nvPr/>
+      </p:nvGrpSpPr>
+      <p:grpSpPr>
+        <a:xfrm>
+          <a:off x="0" y="0"/>
+          <a:ext cx="0" cy="0"/>
+          <a:chOff x="0" y="0"/>
+          <a:chExt cx="0" cy="0"/>
+        </a:xfrm>
+      </p:grpSpPr>
+      <p:sp>
+        <p:nvSpPr>
+          <p:cNvPr id="2" name="幻灯片图像占位符 1"/>
+          <p:cNvSpPr>
+            <a:spLocks noGrp="1" noRot="1" noChangeAspect="1"/>
+          </p:cNvSpPr>
+          <p:nvPr>
+            <p:ph type="sldImg"/>
+          </p:nvPr>
+        </p:nvSpPr>
+        <p:spPr/>
+      </p:sp>
+      <p:sp>
+        <p:nvSpPr>
+          <p:cNvPr id="3" name="备注占位符 2"/>
+          <p:cNvSpPr>
+            <a:spLocks noGrp="1"/>
+          </p:cNvSpPr>
+          <p:nvPr>
+            <p:ph type="body" idx="1"/>
+          </p:nvPr>
+        </p:nvSpPr>
+        <p:spPr/>
+        <p:txBody>
+          <a:bodyPr/>
+          <a:lstStyle/>
+          <a:p>
+            <a:endParaRPr kumimoji="1" lang="zh-CN" altLang="en-US" dirty="0"/>
+          </a:p>
+        </p:txBody>
+      </p:sp>
+      <p:sp>
+        <p:nvSpPr>
+          <p:cNvPr id="4" name="幻灯片编号占位符 3"/>
+          <p:cNvSpPr>
+            <a:spLocks noGrp="1"/>
+          </p:cNvSpPr>
+          <p:nvPr>
+            <p:ph type="sldNum" sz="quarter" idx="10"/>
+          </p:nvPr>
+        </p:nvSpPr>
+        <p:spPr/>
+        <p:txBody>
+          <a:bodyPr/>
+          <a:lstStyle/>
+          <a:p>
+            <a:fld id="{30E5BD0C-2667-BA41-90C5-58CB9DE5FD83}" type="slidenum">
+              <a:rPr kumimoji="1" lang="zh-CN" altLang="en-US" smtClean="0"/>
+              <a:t>6</a:t>
+            </a:fld>
+            <a:endParaRPr kumimoji="1" lang="zh-CN" altLang="en-US"/>
+          </a:p>
+        </p:txBody>
+      </p:sp>
+    </p:spTree>
+    <p:extLst>
+      <p:ext uri="{BB962C8B-B14F-4D97-AF65-F5344CB8AC3E}">
+        <p14:creationId xmlns:p14="http://schemas.microsoft.com/office/powerpoint/2010/main" val="2520485116"/>
+      </p:ext>
+    </p:extLst>
+  </p:cSld>
+  <p:clrMapOvr>
+    <a:masterClrMapping/>
+  </p:clrMapOvr>
+</p:notes>
+</file>
+
+<file path=ppt/notesSlides/notesSlide6.xml><?xml version="1.0" encoding="utf-8"?>
 <p:notes xmlns:a="http://schemas.openxmlformats.org/drawingml/2006/main" xmlns:r="http://schemas.openxmlformats.org/officeDocument/2006/relationships" xmlns:p="http://schemas.openxmlformats.org/presentationml/2006/main">
   <p:cSld>
     <p:spTree>
@@ -1196,7 +1330,7 @@
           <a:p>
             <a:fld id="{D7B12BEA-236C-5749-AF49-060B228B08C5}" type="datetimeFigureOut">
               <a:rPr kumimoji="1" lang="zh-CN" altLang="en-US" smtClean="0"/>
-              <a:t>17/5/16</a:t>
+              <a:t>17/6/12</a:t>
             </a:fld>
             <a:endParaRPr kumimoji="1" lang="zh-CN" altLang="en-US"/>
           </a:p>
@@ -1236,18 +1370,19 @@
           <a:bodyPr/>
           <a:lstStyle/>
           <a:p>
-            <a:fld id="{A3FDF2F6-BE3A-6346-87F1-F57ACD1E6028}" type="slidenum">
-              <a:rPr kumimoji="1" lang="zh-CN" altLang="en-US" smtClean="0"/>
+            <a:fld id="{1789C0F2-17E0-497A-9BBE-0C73201AAFE3}" type="slidenum">
+              <a:rPr lang="en-US" smtClean="0"/>
+              <a:pPr/>
               <a:t>‹#›</a:t>
             </a:fld>
-            <a:endParaRPr kumimoji="1" lang="zh-CN" altLang="en-US"/>
+            <a:endParaRPr lang="en-US" dirty="0"/>
           </a:p>
         </p:txBody>
       </p:sp>
     </p:spTree>
     <p:extLst>
       <p:ext uri="{BB962C8B-B14F-4D97-AF65-F5344CB8AC3E}">
-        <p14:creationId xmlns:p14="http://schemas.microsoft.com/office/powerpoint/2010/main" val="1553982568"/>
+        <p14:creationId xmlns:p14="http://schemas.microsoft.com/office/powerpoint/2010/main" val="1681453623"/>
       </p:ext>
     </p:extLst>
   </p:cSld>
@@ -1366,7 +1501,7 @@
           <a:p>
             <a:fld id="{D7B12BEA-236C-5749-AF49-060B228B08C5}" type="datetimeFigureOut">
               <a:rPr kumimoji="1" lang="zh-CN" altLang="en-US" smtClean="0"/>
-              <a:t>17/5/16</a:t>
+              <a:t>17/6/12</a:t>
             </a:fld>
             <a:endParaRPr kumimoji="1" lang="zh-CN" altLang="en-US"/>
           </a:p>
@@ -1417,7 +1552,7 @@
     </p:spTree>
     <p:extLst>
       <p:ext uri="{BB962C8B-B14F-4D97-AF65-F5344CB8AC3E}">
-        <p14:creationId xmlns:p14="http://schemas.microsoft.com/office/powerpoint/2010/main" val="864129458"/>
+        <p14:creationId xmlns:p14="http://schemas.microsoft.com/office/powerpoint/2010/main" val="70626554"/>
       </p:ext>
     </p:extLst>
   </p:cSld>
@@ -1546,7 +1681,7 @@
           <a:p>
             <a:fld id="{D7B12BEA-236C-5749-AF49-060B228B08C5}" type="datetimeFigureOut">
               <a:rPr kumimoji="1" lang="zh-CN" altLang="en-US" smtClean="0"/>
-              <a:t>17/5/16</a:t>
+              <a:t>17/6/12</a:t>
             </a:fld>
             <a:endParaRPr kumimoji="1" lang="zh-CN" altLang="en-US"/>
           </a:p>
@@ -1597,7 +1732,7 @@
     </p:spTree>
     <p:extLst>
       <p:ext uri="{BB962C8B-B14F-4D97-AF65-F5344CB8AC3E}">
-        <p14:creationId xmlns:p14="http://schemas.microsoft.com/office/powerpoint/2010/main" val="170958055"/>
+        <p14:creationId xmlns:p14="http://schemas.microsoft.com/office/powerpoint/2010/main" val="582647118"/>
       </p:ext>
     </p:extLst>
   </p:cSld>
@@ -1716,7 +1851,7 @@
           <a:p>
             <a:fld id="{D7B12BEA-236C-5749-AF49-060B228B08C5}" type="datetimeFigureOut">
               <a:rPr kumimoji="1" lang="zh-CN" altLang="en-US" smtClean="0"/>
-              <a:t>17/5/16</a:t>
+              <a:t>17/6/12</a:t>
             </a:fld>
             <a:endParaRPr kumimoji="1" lang="zh-CN" altLang="en-US"/>
           </a:p>
@@ -1767,7 +1902,7 @@
     </p:spTree>
     <p:extLst>
       <p:ext uri="{BB962C8B-B14F-4D97-AF65-F5344CB8AC3E}">
-        <p14:creationId xmlns:p14="http://schemas.microsoft.com/office/powerpoint/2010/main" val="922707590"/>
+        <p14:creationId xmlns:p14="http://schemas.microsoft.com/office/powerpoint/2010/main" val="2410930729"/>
       </p:ext>
     </p:extLst>
   </p:cSld>
@@ -1962,7 +2097,7 @@
           <a:p>
             <a:fld id="{D7B12BEA-236C-5749-AF49-060B228B08C5}" type="datetimeFigureOut">
               <a:rPr kumimoji="1" lang="zh-CN" altLang="en-US" smtClean="0"/>
-              <a:t>17/5/16</a:t>
+              <a:t>17/6/12</a:t>
             </a:fld>
             <a:endParaRPr kumimoji="1" lang="zh-CN" altLang="en-US"/>
           </a:p>
@@ -2013,7 +2148,7 @@
     </p:spTree>
     <p:extLst>
       <p:ext uri="{BB962C8B-B14F-4D97-AF65-F5344CB8AC3E}">
-        <p14:creationId xmlns:p14="http://schemas.microsoft.com/office/powerpoint/2010/main" val="101367553"/>
+        <p14:creationId xmlns:p14="http://schemas.microsoft.com/office/powerpoint/2010/main" val="1916296888"/>
       </p:ext>
     </p:extLst>
   </p:cSld>
@@ -2250,7 +2385,7 @@
           <a:p>
             <a:fld id="{D7B12BEA-236C-5749-AF49-060B228B08C5}" type="datetimeFigureOut">
               <a:rPr kumimoji="1" lang="zh-CN" altLang="en-US" smtClean="0"/>
-              <a:t>17/5/16</a:t>
+              <a:t>17/6/12</a:t>
             </a:fld>
             <a:endParaRPr kumimoji="1" lang="zh-CN" altLang="en-US"/>
           </a:p>
@@ -2301,7 +2436,7 @@
     </p:spTree>
     <p:extLst>
       <p:ext uri="{BB962C8B-B14F-4D97-AF65-F5344CB8AC3E}">
-        <p14:creationId xmlns:p14="http://schemas.microsoft.com/office/powerpoint/2010/main" val="767624568"/>
+        <p14:creationId xmlns:p14="http://schemas.microsoft.com/office/powerpoint/2010/main" val="1634644110"/>
       </p:ext>
     </p:extLst>
   </p:cSld>
@@ -2672,7 +2807,7 @@
           <a:p>
             <a:fld id="{D7B12BEA-236C-5749-AF49-060B228B08C5}" type="datetimeFigureOut">
               <a:rPr kumimoji="1" lang="zh-CN" altLang="en-US" smtClean="0"/>
-              <a:t>17/5/16</a:t>
+              <a:t>17/6/12</a:t>
             </a:fld>
             <a:endParaRPr kumimoji="1" lang="zh-CN" altLang="en-US"/>
           </a:p>
@@ -2723,7 +2858,7 @@
     </p:spTree>
     <p:extLst>
       <p:ext uri="{BB962C8B-B14F-4D97-AF65-F5344CB8AC3E}">
-        <p14:creationId xmlns:p14="http://schemas.microsoft.com/office/powerpoint/2010/main" val="3659965178"/>
+        <p14:creationId xmlns:p14="http://schemas.microsoft.com/office/powerpoint/2010/main" val="3180512953"/>
       </p:ext>
     </p:extLst>
   </p:cSld>
@@ -2790,7 +2925,7 @@
           <a:p>
             <a:fld id="{D7B12BEA-236C-5749-AF49-060B228B08C5}" type="datetimeFigureOut">
               <a:rPr kumimoji="1" lang="zh-CN" altLang="en-US" smtClean="0"/>
-              <a:t>17/5/16</a:t>
+              <a:t>17/6/12</a:t>
             </a:fld>
             <a:endParaRPr kumimoji="1" lang="zh-CN" altLang="en-US"/>
           </a:p>
@@ -2841,7 +2976,7 @@
     </p:spTree>
     <p:extLst>
       <p:ext uri="{BB962C8B-B14F-4D97-AF65-F5344CB8AC3E}">
-        <p14:creationId xmlns:p14="http://schemas.microsoft.com/office/powerpoint/2010/main" val="1250676735"/>
+        <p14:creationId xmlns:p14="http://schemas.microsoft.com/office/powerpoint/2010/main" val="632106092"/>
       </p:ext>
     </p:extLst>
   </p:cSld>
@@ -2885,7 +3020,7 @@
           <a:p>
             <a:fld id="{D7B12BEA-236C-5749-AF49-060B228B08C5}" type="datetimeFigureOut">
               <a:rPr kumimoji="1" lang="zh-CN" altLang="en-US" smtClean="0"/>
-              <a:t>17/5/16</a:t>
+              <a:t>17/6/12</a:t>
             </a:fld>
             <a:endParaRPr kumimoji="1" lang="zh-CN" altLang="en-US"/>
           </a:p>
@@ -2936,7 +3071,7 @@
     </p:spTree>
     <p:extLst>
       <p:ext uri="{BB962C8B-B14F-4D97-AF65-F5344CB8AC3E}">
-        <p14:creationId xmlns:p14="http://schemas.microsoft.com/office/powerpoint/2010/main" val="3984936350"/>
+        <p14:creationId xmlns:p14="http://schemas.microsoft.com/office/powerpoint/2010/main" val="4184337257"/>
       </p:ext>
     </p:extLst>
   </p:cSld>
@@ -3162,7 +3297,7 @@
           <a:p>
             <a:fld id="{D7B12BEA-236C-5749-AF49-060B228B08C5}" type="datetimeFigureOut">
               <a:rPr kumimoji="1" lang="zh-CN" altLang="en-US" smtClean="0"/>
-              <a:t>17/5/16</a:t>
+              <a:t>17/6/12</a:t>
             </a:fld>
             <a:endParaRPr kumimoji="1" lang="zh-CN" altLang="en-US"/>
           </a:p>
@@ -3202,18 +3337,19 @@
           <a:bodyPr/>
           <a:lstStyle/>
           <a:p>
-            <a:fld id="{A3FDF2F6-BE3A-6346-87F1-F57ACD1E6028}" type="slidenum">
-              <a:rPr kumimoji="1" lang="zh-CN" altLang="en-US" smtClean="0"/>
+            <a:fld id="{1789C0F2-17E0-497A-9BBE-0C73201AAFE3}" type="slidenum">
+              <a:rPr lang="en-US" smtClean="0"/>
+              <a:pPr/>
               <a:t>‹#›</a:t>
             </a:fld>
-            <a:endParaRPr kumimoji="1" lang="zh-CN" altLang="en-US"/>
+            <a:endParaRPr lang="en-US" dirty="0"/>
           </a:p>
         </p:txBody>
       </p:sp>
     </p:spTree>
     <p:extLst>
       <p:ext uri="{BB962C8B-B14F-4D97-AF65-F5344CB8AC3E}">
-        <p14:creationId xmlns:p14="http://schemas.microsoft.com/office/powerpoint/2010/main" val="587658496"/>
+        <p14:creationId xmlns:p14="http://schemas.microsoft.com/office/powerpoint/2010/main" val="1501626100"/>
       </p:ext>
     </p:extLst>
   </p:cSld>
@@ -3415,7 +3551,7 @@
           <a:p>
             <a:fld id="{D7B12BEA-236C-5749-AF49-060B228B08C5}" type="datetimeFigureOut">
               <a:rPr kumimoji="1" lang="zh-CN" altLang="en-US" smtClean="0"/>
-              <a:t>17/5/16</a:t>
+              <a:t>17/6/12</a:t>
             </a:fld>
             <a:endParaRPr kumimoji="1" lang="zh-CN" altLang="en-US"/>
           </a:p>
@@ -3466,7 +3602,7 @@
     </p:spTree>
     <p:extLst>
       <p:ext uri="{BB962C8B-B14F-4D97-AF65-F5344CB8AC3E}">
-        <p14:creationId xmlns:p14="http://schemas.microsoft.com/office/powerpoint/2010/main" val="356329039"/>
+        <p14:creationId xmlns:p14="http://schemas.microsoft.com/office/powerpoint/2010/main" val="2013156475"/>
       </p:ext>
     </p:extLst>
   </p:cSld>
@@ -3628,7 +3764,7 @@
           <a:p>
             <a:fld id="{D7B12BEA-236C-5749-AF49-060B228B08C5}" type="datetimeFigureOut">
               <a:rPr kumimoji="1" lang="zh-CN" altLang="en-US" smtClean="0"/>
-              <a:t>17/5/16</a:t>
+              <a:t>17/6/12</a:t>
             </a:fld>
             <a:endParaRPr kumimoji="1" lang="zh-CN" altLang="en-US"/>
           </a:p>
@@ -3715,23 +3851,23 @@
     </p:spTree>
     <p:extLst>
       <p:ext uri="{BB962C8B-B14F-4D97-AF65-F5344CB8AC3E}">
-        <p14:creationId xmlns:p14="http://schemas.microsoft.com/office/powerpoint/2010/main" val="433375153"/>
+        <p14:creationId xmlns:p14="http://schemas.microsoft.com/office/powerpoint/2010/main" val="686554135"/>
       </p:ext>
     </p:extLst>
   </p:cSld>
   <p:clrMap bg1="lt1" tx1="dk1" bg2="lt2" tx2="dk2" accent1="accent1" accent2="accent2" accent3="accent3" accent4="accent4" accent5="accent5" accent6="accent6" hlink="hlink" folHlink="folHlink"/>
   <p:sldLayoutIdLst>
-    <p:sldLayoutId id="2147483649" r:id="rId1"/>
-    <p:sldLayoutId id="2147483650" r:id="rId2"/>
-    <p:sldLayoutId id="2147483651" r:id="rId3"/>
-    <p:sldLayoutId id="2147483652" r:id="rId4"/>
-    <p:sldLayoutId id="2147483653" r:id="rId5"/>
-    <p:sldLayoutId id="2147483654" r:id="rId6"/>
-    <p:sldLayoutId id="2147483655" r:id="rId7"/>
-    <p:sldLayoutId id="2147483656" r:id="rId8"/>
-    <p:sldLayoutId id="2147483657" r:id="rId9"/>
-    <p:sldLayoutId id="2147483658" r:id="rId10"/>
-    <p:sldLayoutId id="2147483659" r:id="rId11"/>
+    <p:sldLayoutId id="2147484661" r:id="rId1"/>
+    <p:sldLayoutId id="2147484662" r:id="rId2"/>
+    <p:sldLayoutId id="2147484663" r:id="rId3"/>
+    <p:sldLayoutId id="2147484664" r:id="rId4"/>
+    <p:sldLayoutId id="2147484665" r:id="rId5"/>
+    <p:sldLayoutId id="2147484666" r:id="rId6"/>
+    <p:sldLayoutId id="2147484667" r:id="rId7"/>
+    <p:sldLayoutId id="2147484668" r:id="rId8"/>
+    <p:sldLayoutId id="2147484669" r:id="rId9"/>
+    <p:sldLayoutId id="2147484670" r:id="rId10"/>
+    <p:sldLayoutId id="2147484671" r:id="rId11"/>
   </p:sldLayoutIdLst>
   <p:txStyles>
     <p:titleStyle>
@@ -4075,6 +4211,14 @@
   <p:clrMapOvr>
     <a:masterClrMapping/>
   </p:clrMapOvr>
+  <mc:AlternateContent xmlns:mc="http://schemas.openxmlformats.org/markup-compatibility/2006">
+    <mc:Choice xmlns:p14="http://schemas.microsoft.com/office/powerpoint/2010/main" Requires="p14">
+      <p:transition spd="slow" p14:dur="2000"/>
+    </mc:Choice>
+    <mc:Fallback>
+      <p:transition xmlns:p14="http://schemas.microsoft.com/office/powerpoint/2010/main" spd="slow"/>
+    </mc:Fallback>
+  </mc:AlternateContent>
   <p:timing>
     <p:tnLst>
       <p:par>
@@ -4114,7 +4258,9 @@
         </p:nvSpPr>
         <p:spPr/>
         <p:txBody>
-          <a:bodyPr/>
+          <a:bodyPr>
+            <a:normAutofit/>
+          </a:bodyPr>
           <a:lstStyle/>
           <a:p>
             <a:r>
@@ -4166,6 +4312,14 @@
   <p:clrMapOvr>
     <a:masterClrMapping/>
   </p:clrMapOvr>
+  <mc:AlternateContent xmlns:mc="http://schemas.openxmlformats.org/markup-compatibility/2006">
+    <mc:Choice xmlns:p14="http://schemas.microsoft.com/office/powerpoint/2010/main" Requires="p14">
+      <p:transition spd="slow" p14:dur="2000"/>
+    </mc:Choice>
+    <mc:Fallback>
+      <p:transition xmlns:p14="http://schemas.microsoft.com/office/powerpoint/2010/main" spd="slow"/>
+    </mc:Fallback>
+  </mc:AlternateContent>
 </p:sld>
 </file>
 
@@ -4237,8 +4391,41 @@
           <a:lstStyle/>
           <a:p>
             <a:r>
+              <a:rPr kumimoji="1" lang="en-US" altLang="zh-CN" dirty="0" smtClean="0">
+                <a:hlinkClick r:id="rId2"/>
+              </a:rPr>
+              <a:t>http://www.boubei.com:9090/tss</a:t>
+            </a:r>
+            <a:endParaRPr kumimoji="1" lang="en-US" altLang="zh-CN" dirty="0" smtClean="0"/>
+          </a:p>
+          <a:p>
+            <a:pPr lvl="1"/>
+            <a:r>
+              <a:rPr kumimoji="1" lang="en-US" altLang="zh-CN" dirty="0" smtClean="0"/>
+              <a:t>Admin</a:t>
+            </a:r>
+            <a:r>
+              <a:rPr kumimoji="1" lang="zh-CN" altLang="en-US" dirty="0" smtClean="0"/>
+              <a:t> </a:t>
+            </a:r>
+            <a:r>
+              <a:rPr kumimoji="1" lang="zh-CN" altLang="en-US" dirty="0" smtClean="0"/>
+              <a:t>密码：</a:t>
+            </a:r>
+            <a:r>
+              <a:rPr kumimoji="1" lang="en-US" altLang="zh-CN" dirty="0" err="1" smtClean="0"/>
+              <a:t>www.boubei.com</a:t>
+            </a:r>
+            <a:endParaRPr kumimoji="1" lang="en-US" altLang="zh-CN" dirty="0" smtClean="0"/>
+          </a:p>
+          <a:p>
+            <a:r>
+              <a:rPr kumimoji="1" lang="en-US" altLang="zh-CN" dirty="0" smtClean="0"/>
+              <a:t>http</a:t>
+            </a:r>
+            <a:r>
               <a:rPr kumimoji="1" lang="en-US" altLang="zh-CN" dirty="0"/>
-              <a:t>http://</a:t>
+              <a:t>://</a:t>
             </a:r>
             <a:r>
               <a:rPr kumimoji="1" lang="en-US" altLang="zh-CN" dirty="0" err="1"/>
@@ -4262,6 +4449,14 @@
   <p:clrMapOvr>
     <a:masterClrMapping/>
   </p:clrMapOvr>
+  <mc:AlternateContent xmlns:mc="http://schemas.openxmlformats.org/markup-compatibility/2006">
+    <mc:Choice xmlns:p14="http://schemas.microsoft.com/office/powerpoint/2010/main" Requires="p14">
+      <p:transition spd="slow" p14:dur="2000"/>
+    </mc:Choice>
+    <mc:Fallback>
+      <p:transition xmlns:p14="http://schemas.microsoft.com/office/powerpoint/2010/main" spd="slow"/>
+    </mc:Fallback>
+  </mc:AlternateContent>
 </p:sld>
 </file>
 
@@ -4299,7 +4494,19 @@
           <a:p>
             <a:r>
               <a:rPr kumimoji="1" lang="zh-CN" altLang="en-US" dirty="0" smtClean="0"/>
-              <a:t>我们是怎么学习的？</a:t>
+              <a:t>我们是</a:t>
+            </a:r>
+            <a:r>
+              <a:rPr kumimoji="1" lang="zh-CN" altLang="en-US" dirty="0" smtClean="0"/>
+              <a:t>如何</a:t>
+            </a:r>
+            <a:r>
+              <a:rPr kumimoji="1" lang="zh-CN" altLang="en-US" dirty="0" smtClean="0"/>
+              <a:t>学习</a:t>
+            </a:r>
+            <a:r>
+              <a:rPr kumimoji="1" lang="zh-CN" altLang="en-US" dirty="0" smtClean="0"/>
+              <a:t>的？</a:t>
             </a:r>
             <a:endParaRPr kumimoji="1" lang="zh-CN" altLang="en-US" dirty="0"/>
           </a:p>
@@ -4315,11 +4522,21 @@
             <p:ph idx="1"/>
           </p:nvPr>
         </p:nvSpPr>
-        <p:spPr/>
-        <p:txBody>
-          <a:bodyPr/>
-          <a:lstStyle/>
-          <a:p>
+        <p:spPr>
+          <a:xfrm>
+            <a:off x="457200" y="1600200"/>
+            <a:ext cx="8229600" cy="4824506"/>
+          </a:xfrm>
+        </p:spPr>
+        <p:txBody>
+          <a:bodyPr/>
+          <a:lstStyle/>
+          <a:p>
+            <a:pPr>
+              <a:lnSpc>
+                <a:spcPct val="110000"/>
+              </a:lnSpc>
+            </a:pPr>
             <a:r>
               <a:rPr kumimoji="1" lang="zh-CN" altLang="en-US" dirty="0"/>
               <a:t>小学到大学：听课 </a:t>
@@ -4343,6 +4560,11 @@
             <a:endParaRPr kumimoji="1" lang="en-US" altLang="zh-CN" dirty="0" smtClean="0"/>
           </a:p>
           <a:p>
+            <a:pPr>
+              <a:lnSpc>
+                <a:spcPct val="110000"/>
+              </a:lnSpc>
+            </a:pPr>
             <a:r>
               <a:rPr kumimoji="1" lang="zh-CN" altLang="en-US" dirty="0" smtClean="0"/>
               <a:t>只接收，不产出</a:t>
@@ -4350,6 +4572,11 @@
             <a:endParaRPr kumimoji="1" lang="en-US" altLang="zh-CN" dirty="0" smtClean="0"/>
           </a:p>
           <a:p>
+            <a:pPr>
+              <a:lnSpc>
+                <a:spcPct val="110000"/>
+              </a:lnSpc>
+            </a:pPr>
             <a:r>
               <a:rPr kumimoji="1" lang="zh-CN" altLang="en-US" dirty="0" smtClean="0"/>
               <a:t>考试完了还给老师</a:t>
@@ -4357,13 +4584,31 @@
             <a:endParaRPr kumimoji="1" lang="en-US" altLang="zh-CN" dirty="0" smtClean="0"/>
           </a:p>
           <a:p>
-            <a:r>
-              <a:rPr kumimoji="1" lang="zh-CN" altLang="en-US" dirty="0" smtClean="0"/>
-              <a:t>想想还记得些什么：语文、数理化、英语</a:t>
+            <a:pPr>
+              <a:lnSpc>
+                <a:spcPct val="110000"/>
+              </a:lnSpc>
+            </a:pPr>
+            <a:r>
+              <a:rPr kumimoji="1" lang="zh-CN" altLang="en-US" dirty="0" smtClean="0"/>
+              <a:t>想想还记得些什么：语文？数理化</a:t>
+            </a:r>
+            <a:r>
+              <a:rPr kumimoji="1" lang="zh-CN" altLang="en-US" dirty="0"/>
+              <a:t>？</a:t>
+            </a:r>
+            <a:r>
+              <a:rPr kumimoji="1" lang="zh-CN" altLang="en-US" dirty="0" smtClean="0"/>
+              <a:t>英语？</a:t>
             </a:r>
             <a:endParaRPr kumimoji="1" lang="en-US" altLang="zh-CN" dirty="0" smtClean="0"/>
           </a:p>
           <a:p>
+            <a:pPr>
+              <a:lnSpc>
+                <a:spcPct val="110000"/>
+              </a:lnSpc>
+            </a:pPr>
             <a:r>
               <a:rPr kumimoji="1" lang="zh-CN" altLang="en-US" dirty="0" smtClean="0"/>
               <a:t>我们的老师也会忘记吗？</a:t>
@@ -4371,13 +4616,14 @@
             <a:endParaRPr kumimoji="1" lang="en-US" altLang="zh-CN" dirty="0" smtClean="0"/>
           </a:p>
           <a:p>
-            <a:r>
-              <a:rPr kumimoji="1" lang="zh-CN" altLang="en-US" dirty="0" smtClean="0"/>
-              <a:t>固化</a:t>
-            </a:r>
-            <a:r>
-              <a:rPr kumimoji="1" lang="zh-CN" altLang="en-US" dirty="0" smtClean="0"/>
-              <a:t>记忆</a:t>
+            <a:pPr>
+              <a:lnSpc>
+                <a:spcPct val="110000"/>
+              </a:lnSpc>
+            </a:pPr>
+            <a:r>
+              <a:rPr kumimoji="1" lang="zh-CN" altLang="en-US" dirty="0" smtClean="0"/>
+              <a:t>固化记忆</a:t>
             </a:r>
             <a:r>
               <a:rPr kumimoji="1" lang="en-US" altLang="zh-CN" dirty="0" smtClean="0"/>
@@ -4397,15 +4643,15 @@
             </a:r>
             <a:r>
               <a:rPr kumimoji="1" lang="zh-CN" altLang="en-US" dirty="0" smtClean="0"/>
-              <a:t>融入</a:t>
-            </a:r>
-            <a:r>
-              <a:rPr kumimoji="1" lang="zh-CN" altLang="en-US" dirty="0" smtClean="0"/>
-              <a:t>潜意识</a:t>
+              <a:t>融入潜意识</a:t>
             </a:r>
             <a:endParaRPr kumimoji="1" lang="en-US" altLang="zh-CN" dirty="0"/>
           </a:p>
           <a:p>
+            <a:r>
+              <a:rPr kumimoji="1" lang="zh-CN" altLang="en-US" dirty="0" smtClean="0"/>
+              <a:t>让学到的知识不要再轻易失去</a:t>
+            </a:r>
             <a:endParaRPr kumimoji="1" lang="zh-CN" altLang="en-US" dirty="0"/>
           </a:p>
         </p:txBody>
@@ -4420,6 +4666,21 @@
   <p:clrMapOvr>
     <a:masterClrMapping/>
   </p:clrMapOvr>
+  <mc:AlternateContent xmlns:mc="http://schemas.openxmlformats.org/markup-compatibility/2006">
+    <mc:Choice xmlns:p14="http://schemas.microsoft.com/office/powerpoint/2010/main" Requires="p14">
+      <p:transition spd="slow" p14:dur="2000"/>
+    </mc:Choice>
+    <mc:Fallback>
+      <p:transition xmlns:p14="http://schemas.microsoft.com/office/powerpoint/2010/main" spd="slow"/>
+    </mc:Fallback>
+  </mc:AlternateContent>
+  <p:timing>
+    <p:tnLst>
+      <p:par>
+        <p:cTn xmlns:p14="http://schemas.microsoft.com/office/powerpoint/2010/main" id="1" dur="indefinite" restart="never" nodeType="tmRoot"/>
+      </p:par>
+    </p:tnLst>
+  </p:timing>
 </p:sld>
 </file>
 
@@ -4452,137 +4713,186 @@
         </p:nvSpPr>
         <p:spPr/>
         <p:txBody>
-          <a:bodyPr/>
-          <a:lstStyle/>
-          <a:p>
-            <a:r>
-              <a:rPr kumimoji="1" lang="zh-CN" altLang="en-US" dirty="0" smtClean="0"/>
-              <a:t>我的个人经历</a:t>
-            </a:r>
-            <a:endParaRPr kumimoji="1" lang="zh-CN" altLang="en-US" dirty="0"/>
-          </a:p>
-        </p:txBody>
-      </p:sp>
-      <p:sp>
-        <p:nvSpPr>
-          <p:cNvPr id="3" name="内容占位符 2"/>
-          <p:cNvSpPr>
-            <a:spLocks noGrp="1"/>
-          </p:cNvSpPr>
-          <p:nvPr>
-            <p:ph idx="1"/>
-          </p:nvPr>
-        </p:nvSpPr>
-        <p:spPr>
-          <a:xfrm>
-            <a:off x="457199" y="1417638"/>
-            <a:ext cx="8386711" cy="4708525"/>
-          </a:xfrm>
-        </p:spPr>
-        <p:txBody>
           <a:bodyPr>
             <a:normAutofit/>
           </a:bodyPr>
           <a:lstStyle/>
           <a:p>
             <a:r>
-              <a:rPr kumimoji="1" lang="zh-CN" altLang="en-US" sz="2800" dirty="0" smtClean="0"/>
-              <a:t>0</a:t>
-            </a:r>
-            <a:r>
-              <a:rPr kumimoji="1" lang="en-US" altLang="zh-CN" sz="2800" dirty="0" smtClean="0"/>
-              <a:t>5</a:t>
-            </a:r>
-            <a:r>
-              <a:rPr kumimoji="1" lang="zh-CN" altLang="en-US" sz="2800" dirty="0" smtClean="0"/>
-              <a:t>年至今，一直</a:t>
-            </a:r>
-            <a:r>
-              <a:rPr kumimoji="1" lang="zh-CN" altLang="en-US" sz="2800" dirty="0"/>
-              <a:t>做技术</a:t>
-            </a:r>
-            <a:endParaRPr kumimoji="1" lang="en-US" altLang="zh-CN" sz="2800" dirty="0" smtClean="0"/>
-          </a:p>
-          <a:p>
-            <a:r>
-              <a:rPr kumimoji="1" lang="zh-CN" altLang="en-US" sz="2800" dirty="0" smtClean="0"/>
-              <a:t>财政、银行、电信、物流</a:t>
-            </a:r>
-            <a:r>
-              <a:rPr kumimoji="1" lang="en-US" altLang="zh-CN" sz="2800" dirty="0" smtClean="0"/>
-              <a:t>……</a:t>
-            </a:r>
-          </a:p>
-          <a:p>
-            <a:r>
-              <a:rPr kumimoji="1" lang="zh-CN" altLang="en-US" sz="2800" dirty="0" smtClean="0"/>
-              <a:t>业务知识的后期如没机会用很快会生疏</a:t>
-            </a:r>
-            <a:endParaRPr kumimoji="1" lang="en-US" altLang="zh-CN" sz="2800" dirty="0" smtClean="0"/>
-          </a:p>
-          <a:p>
-            <a:r>
-              <a:rPr kumimoji="1" lang="zh-CN" altLang="en-US" sz="2800" dirty="0" smtClean="0"/>
-              <a:t>依附在在业务项目里的技术点也跟着无法再被参考</a:t>
-            </a:r>
-            <a:endParaRPr kumimoji="1" lang="en-US" altLang="zh-CN" sz="2800" dirty="0" smtClean="0"/>
-          </a:p>
-          <a:p>
-            <a:r>
-              <a:rPr kumimoji="1" lang="zh-CN" altLang="en-US" sz="2800" dirty="0" smtClean="0"/>
-              <a:t>有没有留下点什么？</a:t>
-            </a:r>
-            <a:endParaRPr kumimoji="1" lang="en-US" altLang="zh-CN" sz="2800" dirty="0" smtClean="0"/>
-          </a:p>
-          <a:p>
-            <a:r>
-              <a:rPr kumimoji="1" lang="en-US" altLang="zh-CN" sz="2800" dirty="0" smtClean="0"/>
-              <a:t>Demo</a:t>
-            </a:r>
-            <a:r>
-              <a:rPr kumimoji="1" lang="zh-CN" altLang="en-US" sz="2800" dirty="0"/>
-              <a:t>、</a:t>
-            </a:r>
-            <a:r>
-              <a:rPr kumimoji="1" lang="zh-CN" altLang="en-US" sz="2800" dirty="0" smtClean="0"/>
-              <a:t>笔记、博客、</a:t>
-            </a:r>
-            <a:r>
-              <a:rPr kumimoji="1" lang="en-US" altLang="zh-CN" sz="2800" dirty="0" smtClean="0"/>
-              <a:t>TSS</a:t>
-            </a:r>
-            <a:r>
-              <a:rPr kumimoji="1" lang="zh-CN" altLang="en-US" sz="2800" dirty="0" smtClean="0"/>
-              <a:t>（工具集）</a:t>
-            </a:r>
-            <a:endParaRPr kumimoji="1" lang="en-US" altLang="zh-CN" sz="2800" dirty="0" smtClean="0"/>
-          </a:p>
-          <a:p>
-            <a:r>
-              <a:rPr kumimoji="1" lang="zh-CN" altLang="en-US" sz="2800" dirty="0" smtClean="0"/>
-              <a:t>一个好的知识库：高度概括、用心记录、易检索、用自己最熟悉的语言方式编写</a:t>
-            </a:r>
-            <a:endParaRPr kumimoji="1" lang="en-US" altLang="zh-CN" sz="2800" dirty="0" smtClean="0"/>
-          </a:p>
-          <a:p>
-            <a:r>
-              <a:rPr kumimoji="1" lang="zh-CN" altLang="en-US" sz="2800" dirty="0" smtClean="0"/>
-              <a:t>大脑的延伸</a:t>
-            </a:r>
-            <a:endParaRPr kumimoji="1" lang="zh-CN" altLang="en-US" sz="2800" dirty="0"/>
+              <a:rPr kumimoji="1" lang="zh-CN" altLang="en-US" dirty="0" smtClean="0"/>
+              <a:t>我们是</a:t>
+            </a:r>
+            <a:r>
+              <a:rPr kumimoji="1" lang="zh-CN" altLang="en-US" dirty="0" smtClean="0"/>
+              <a:t>如何</a:t>
+            </a:r>
+            <a:r>
+              <a:rPr kumimoji="1" lang="zh-CN" altLang="en-US" dirty="0" smtClean="0"/>
+              <a:t>完成一个</a:t>
+            </a:r>
+            <a:r>
+              <a:rPr kumimoji="1" lang="zh-CN" altLang="en-US" dirty="0" smtClean="0"/>
+              <a:t>需求开发</a:t>
+            </a:r>
+            <a:r>
+              <a:rPr kumimoji="1" lang="zh-CN" altLang="en-US" dirty="0" smtClean="0"/>
+              <a:t>的</a:t>
+            </a:r>
+            <a:r>
+              <a:rPr kumimoji="1" lang="zh-CN" altLang="en-US" dirty="0" smtClean="0"/>
+              <a:t>？</a:t>
+            </a:r>
+            <a:endParaRPr kumimoji="1" lang="zh-CN" altLang="en-US" dirty="0"/>
+          </a:p>
+        </p:txBody>
+      </p:sp>
+      <p:sp>
+        <p:nvSpPr>
+          <p:cNvPr id="3" name="内容占位符 2"/>
+          <p:cNvSpPr>
+            <a:spLocks noGrp="1"/>
+          </p:cNvSpPr>
+          <p:nvPr>
+            <p:ph idx="1"/>
+          </p:nvPr>
+        </p:nvSpPr>
+        <p:spPr/>
+        <p:txBody>
+          <a:bodyPr>
+            <a:normAutofit/>
+          </a:bodyPr>
+          <a:lstStyle/>
+          <a:p>
+            <a:pPr>
+              <a:lnSpc>
+                <a:spcPct val="110000"/>
+              </a:lnSpc>
+            </a:pPr>
+            <a:r>
+              <a:rPr kumimoji="1" lang="zh-CN" altLang="en-US" dirty="0" smtClean="0"/>
+              <a:t>分析、设计、分解</a:t>
+            </a:r>
+            <a:endParaRPr kumimoji="1" lang="en-US" altLang="zh-CN" dirty="0" smtClean="0"/>
+          </a:p>
+          <a:p>
+            <a:pPr>
+              <a:lnSpc>
+                <a:spcPct val="110000"/>
+              </a:lnSpc>
+            </a:pPr>
+            <a:r>
+              <a:rPr kumimoji="1" lang="zh-CN" altLang="en-US" dirty="0" smtClean="0"/>
+              <a:t>搜索大脑，有没有做过类似的</a:t>
+            </a:r>
+            <a:endParaRPr kumimoji="1" lang="en-US" altLang="zh-CN" dirty="0" smtClean="0"/>
+          </a:p>
+          <a:p>
+            <a:pPr>
+              <a:lnSpc>
+                <a:spcPct val="110000"/>
+              </a:lnSpc>
+            </a:pPr>
+            <a:r>
+              <a:rPr kumimoji="1" lang="zh-CN" altLang="en-US" dirty="0" smtClean="0"/>
+              <a:t>如果有：找到那部分代码，复制修改</a:t>
+            </a:r>
+            <a:endParaRPr kumimoji="1" lang="en-US" altLang="zh-CN" dirty="0" smtClean="0"/>
+          </a:p>
+          <a:p>
+            <a:pPr>
+              <a:lnSpc>
+                <a:spcPct val="110000"/>
+              </a:lnSpc>
+            </a:pPr>
+            <a:r>
+              <a:rPr kumimoji="1" lang="zh-CN" altLang="en-US" dirty="0" smtClean="0"/>
+              <a:t>如没有：谷歌百度，找可参照的例子</a:t>
+            </a:r>
+            <a:endParaRPr kumimoji="1" lang="en-US" altLang="zh-CN" dirty="0" smtClean="0"/>
+          </a:p>
+          <a:p>
+            <a:pPr>
+              <a:lnSpc>
+                <a:spcPct val="110000"/>
+              </a:lnSpc>
+            </a:pPr>
+            <a:r>
+              <a:rPr kumimoji="1" lang="zh-CN" altLang="en-US" dirty="0" smtClean="0"/>
+              <a:t>都没有：硬着头皮从无到</a:t>
+            </a:r>
+            <a:r>
+              <a:rPr kumimoji="1" lang="zh-CN" altLang="en-US" dirty="0" smtClean="0"/>
+              <a:t>有</a:t>
+            </a:r>
+            <a:r>
+              <a:rPr kumimoji="1" lang="zh-CN" altLang="en-US" dirty="0" smtClean="0"/>
+              <a:t>做出来</a:t>
+            </a:r>
+            <a:endParaRPr kumimoji="1" lang="en-US" altLang="zh-CN" dirty="0" smtClean="0"/>
+          </a:p>
+          <a:p>
+            <a:pPr>
+              <a:lnSpc>
+                <a:spcPct val="110000"/>
+              </a:lnSpc>
+            </a:pPr>
+            <a:r>
+              <a:rPr kumimoji="1" lang="zh-CN" altLang="en-US" dirty="0" smtClean="0"/>
+              <a:t>整理开发成果，留作下次</a:t>
+            </a:r>
+            <a:r>
+              <a:rPr kumimoji="1" lang="zh-CN" altLang="en-US" dirty="0" smtClean="0"/>
+              <a:t>参考</a:t>
+            </a:r>
+            <a:endParaRPr kumimoji="1" lang="en-US" altLang="zh-CN" dirty="0" smtClean="0"/>
+          </a:p>
+          <a:p>
+            <a:pPr>
+              <a:lnSpc>
+                <a:spcPct val="110000"/>
+              </a:lnSpc>
+            </a:pPr>
+            <a:r>
+              <a:rPr kumimoji="1" lang="zh-CN" altLang="en-US" dirty="0" smtClean="0"/>
+              <a:t>新手 </a:t>
+            </a:r>
+            <a:r>
+              <a:rPr kumimoji="1" lang="en-US" altLang="zh-CN" dirty="0" smtClean="0"/>
+              <a:t>VS</a:t>
+            </a:r>
+            <a:r>
+              <a:rPr kumimoji="1" lang="zh-CN" altLang="en-US" dirty="0" smtClean="0"/>
+              <a:t> 高手</a:t>
+            </a:r>
+            <a:endParaRPr kumimoji="1" lang="zh-CN" altLang="en-US" dirty="0"/>
           </a:p>
         </p:txBody>
       </p:sp>
     </p:spTree>
     <p:extLst>
       <p:ext uri="{BB962C8B-B14F-4D97-AF65-F5344CB8AC3E}">
-        <p14:creationId xmlns:p14="http://schemas.microsoft.com/office/powerpoint/2010/main" val="2236792618"/>
+        <p14:creationId xmlns:p14="http://schemas.microsoft.com/office/powerpoint/2010/main" val="3315955743"/>
       </p:ext>
     </p:extLst>
   </p:cSld>
   <p:clrMapOvr>
     <a:masterClrMapping/>
   </p:clrMapOvr>
+  <mc:AlternateContent xmlns:mc="http://schemas.openxmlformats.org/markup-compatibility/2006">
+    <mc:Choice xmlns:p14="http://schemas.microsoft.com/office/powerpoint/2010/main" Requires="p14">
+      <p:transition spd="slow" p14:dur="2000"/>
+    </mc:Choice>
+    <mc:Fallback>
+      <p:transition xmlns:p14="http://schemas.microsoft.com/office/powerpoint/2010/main" spd="slow"/>
+    </mc:Fallback>
+  </mc:AlternateContent>
+  <p:timing>
+    <p:tnLst>
+      <p:par>
+        <p:cTn xmlns:p14="http://schemas.microsoft.com/office/powerpoint/2010/main" id="1" dur="indefinite" restart="never" nodeType="tmRoot"/>
+      </p:par>
+    </p:tnLst>
+  </p:timing>
 </p:sld>
 </file>
 
@@ -4613,14 +4923,19 @@
             <p:ph type="title"/>
           </p:nvPr>
         </p:nvSpPr>
-        <p:spPr/>
-        <p:txBody>
-          <a:bodyPr/>
-          <a:lstStyle/>
-          <a:p>
-            <a:r>
-              <a:rPr kumimoji="1" lang="zh-CN" altLang="en-US" dirty="0" smtClean="0"/>
-              <a:t>如何完成一个需求开发？</a:t>
+        <p:spPr>
+          <a:xfrm>
+            <a:off x="549275" y="107576"/>
+            <a:ext cx="8042276" cy="953248"/>
+          </a:xfrm>
+        </p:spPr>
+        <p:txBody>
+          <a:bodyPr/>
+          <a:lstStyle/>
+          <a:p>
+            <a:r>
+              <a:rPr kumimoji="1" lang="zh-CN" altLang="en-US" dirty="0" smtClean="0"/>
+              <a:t>我们是如何积累经验的？</a:t>
             </a:r>
             <a:endParaRPr kumimoji="1" lang="zh-CN" altLang="en-US" dirty="0"/>
           </a:p>
@@ -4636,32 +4951,176 @@
             <p:ph idx="1"/>
           </p:nvPr>
         </p:nvSpPr>
-        <p:spPr/>
-        <p:txBody>
-          <a:bodyPr/>
-          <a:lstStyle/>
-          <a:p>
-            <a:r>
-              <a:rPr kumimoji="1" lang="zh-CN" altLang="en-US" dirty="0" smtClean="0"/>
-              <a:t>分析、设计、分解</a:t>
-            </a:r>
-            <a:endParaRPr kumimoji="1" lang="en-US" altLang="zh-CN" dirty="0" smtClean="0"/>
-          </a:p>
-          <a:p>
-            <a:endParaRPr kumimoji="1" lang="zh-CN" altLang="en-US" dirty="0"/>
+        <p:spPr>
+          <a:xfrm>
+            <a:off x="457199" y="1417638"/>
+            <a:ext cx="8386711" cy="5026016"/>
+          </a:xfrm>
+        </p:spPr>
+        <p:txBody>
+          <a:bodyPr>
+            <a:normAutofit/>
+          </a:bodyPr>
+          <a:lstStyle/>
+          <a:p>
+            <a:pPr>
+              <a:lnSpc>
+                <a:spcPct val="110000"/>
+              </a:lnSpc>
+            </a:pPr>
+            <a:r>
+              <a:rPr kumimoji="1" lang="zh-CN" altLang="en-US" sz="2400" dirty="0" smtClean="0"/>
+              <a:t>人人都有自己的工具库，锄头、镰刀、犁</a:t>
+            </a:r>
+            <a:r>
+              <a:rPr kumimoji="1" lang="en-US" altLang="zh-CN" sz="2400" dirty="0" smtClean="0"/>
+              <a:t>…..</a:t>
+            </a:r>
+            <a:endParaRPr kumimoji="1" lang="en-US" altLang="zh-CN" sz="2400" dirty="0" smtClean="0"/>
+          </a:p>
+          <a:p>
+            <a:pPr>
+              <a:lnSpc>
+                <a:spcPct val="110000"/>
+              </a:lnSpc>
+            </a:pPr>
+            <a:r>
+              <a:rPr kumimoji="1" lang="zh-CN" altLang="en-US" sz="2400" dirty="0" smtClean="0"/>
+              <a:t>我们是如何在日常生活中选择合适工具的？</a:t>
+            </a:r>
+            <a:endParaRPr kumimoji="1" lang="en-US" altLang="zh-CN" sz="2400" dirty="0" smtClean="0"/>
+          </a:p>
+          <a:p>
+            <a:pPr>
+              <a:lnSpc>
+                <a:spcPct val="110000"/>
+              </a:lnSpc>
+            </a:pPr>
+            <a:r>
+              <a:rPr kumimoji="1" lang="zh-CN" altLang="en-US" sz="2400" dirty="0" smtClean="0"/>
+              <a:t>程序员的工具库是什么样的？</a:t>
+            </a:r>
+            <a:endParaRPr kumimoji="1" lang="en-US" altLang="zh-CN" sz="2400" dirty="0" smtClean="0"/>
+          </a:p>
+          <a:p>
+            <a:pPr>
+              <a:lnSpc>
+                <a:spcPct val="110000"/>
+              </a:lnSpc>
+            </a:pPr>
+            <a:r>
+              <a:rPr kumimoji="1" lang="zh-CN" altLang="en-US" sz="2400" dirty="0" smtClean="0"/>
+              <a:t>经验</a:t>
+            </a:r>
+            <a:r>
+              <a:rPr kumimoji="1" lang="zh-CN" altLang="en-US" sz="2400" dirty="0" smtClean="0"/>
+              <a:t>，日积月累</a:t>
+            </a:r>
+            <a:endParaRPr kumimoji="1" lang="en-US" altLang="zh-CN" sz="2400" dirty="0" smtClean="0"/>
+          </a:p>
+          <a:p>
+            <a:pPr lvl="1">
+              <a:lnSpc>
+                <a:spcPct val="110000"/>
+              </a:lnSpc>
+            </a:pPr>
+            <a:r>
+              <a:rPr kumimoji="1" lang="zh-CN" altLang="en-US" sz="2400" dirty="0" smtClean="0"/>
+              <a:t>思考问题的方式、解决问题的能力</a:t>
+            </a:r>
+            <a:endParaRPr kumimoji="1" lang="en-US" altLang="zh-CN" sz="2400" dirty="0" smtClean="0"/>
+          </a:p>
+          <a:p>
+            <a:pPr lvl="1">
+              <a:lnSpc>
+                <a:spcPct val="110000"/>
+              </a:lnSpc>
+            </a:pPr>
+            <a:r>
+              <a:rPr kumimoji="1" lang="zh-CN" altLang="en-US" sz="2400" dirty="0" smtClean="0"/>
+              <a:t>成功</a:t>
+            </a:r>
+            <a:r>
+              <a:rPr kumimoji="1" lang="zh-CN" altLang="en-US" sz="2400" dirty="0" smtClean="0"/>
+              <a:t>案例、</a:t>
+            </a:r>
+            <a:r>
+              <a:rPr kumimoji="1" lang="zh-CN" altLang="en-US" sz="2400" dirty="0" smtClean="0"/>
+              <a:t>失败教训</a:t>
+            </a:r>
+            <a:endParaRPr kumimoji="1" lang="en-US" altLang="zh-CN" sz="2400" dirty="0"/>
+          </a:p>
+          <a:p>
+            <a:pPr>
+              <a:lnSpc>
+                <a:spcPct val="110000"/>
+              </a:lnSpc>
+            </a:pPr>
+            <a:r>
+              <a:rPr kumimoji="1" lang="zh-CN" altLang="en-US" sz="2400" dirty="0" smtClean="0"/>
+              <a:t>笔记</a:t>
+            </a:r>
+            <a:r>
+              <a:rPr kumimoji="1" lang="zh-CN" altLang="en-US" sz="2400" dirty="0"/>
+              <a:t>、</a:t>
+            </a:r>
+            <a:r>
+              <a:rPr kumimoji="1" lang="zh-CN" altLang="en-US" sz="2400" dirty="0" smtClean="0"/>
+              <a:t>博客</a:t>
+            </a:r>
+            <a:endParaRPr kumimoji="1" lang="en-US" altLang="zh-CN" sz="2400" dirty="0" smtClean="0"/>
+          </a:p>
+          <a:p>
+            <a:pPr>
+              <a:lnSpc>
+                <a:spcPct val="110000"/>
+              </a:lnSpc>
+            </a:pPr>
+            <a:r>
+              <a:rPr kumimoji="1" lang="zh-CN" altLang="en-US" sz="2400" dirty="0" smtClean="0"/>
+              <a:t>代码库</a:t>
+            </a:r>
+            <a:endParaRPr kumimoji="1" lang="en-US" altLang="zh-CN" sz="2400" dirty="0"/>
+          </a:p>
+          <a:p>
+            <a:pPr>
+              <a:lnSpc>
+                <a:spcPct val="110000"/>
+              </a:lnSpc>
+            </a:pPr>
+            <a:r>
+              <a:rPr kumimoji="1" lang="en-US" altLang="zh-CN" sz="2400" dirty="0" smtClean="0"/>
+              <a:t>Demo</a:t>
+            </a:r>
+            <a:endParaRPr kumimoji="1" lang="en-US" altLang="zh-CN" sz="2400" dirty="0" smtClean="0"/>
           </a:p>
         </p:txBody>
       </p:sp>
     </p:spTree>
     <p:extLst>
       <p:ext uri="{BB962C8B-B14F-4D97-AF65-F5344CB8AC3E}">
-        <p14:creationId xmlns:p14="http://schemas.microsoft.com/office/powerpoint/2010/main" val="3315955743"/>
+        <p14:creationId xmlns:p14="http://schemas.microsoft.com/office/powerpoint/2010/main" val="2236792618"/>
       </p:ext>
     </p:extLst>
   </p:cSld>
   <p:clrMapOvr>
     <a:masterClrMapping/>
   </p:clrMapOvr>
+  <mc:AlternateContent xmlns:mc="http://schemas.openxmlformats.org/markup-compatibility/2006">
+    <mc:Choice xmlns:p14="http://schemas.microsoft.com/office/powerpoint/2010/main" Requires="p14">
+      <p:transition spd="slow" p14:dur="2000"/>
+    </mc:Choice>
+    <mc:Fallback>
+      <p:transition xmlns:p14="http://schemas.microsoft.com/office/powerpoint/2010/main" spd="slow"/>
+    </mc:Fallback>
+  </mc:AlternateContent>
+  <p:timing>
+    <p:tnLst>
+      <p:par>
+        <p:cTn xmlns:p14="http://schemas.microsoft.com/office/powerpoint/2010/main" id="1" dur="indefinite" restart="never" nodeType="tmRoot"/>
+      </p:par>
+    </p:tnLst>
+  </p:timing>
 </p:sld>
 </file>
 
@@ -4692,7 +5151,12 @@
             <p:ph type="title"/>
           </p:nvPr>
         </p:nvSpPr>
-        <p:spPr/>
+        <p:spPr>
+          <a:xfrm>
+            <a:off x="457200" y="274638"/>
+            <a:ext cx="8229600" cy="860891"/>
+          </a:xfrm>
+        </p:spPr>
         <p:txBody>
           <a:bodyPr/>
           <a:lstStyle/>
@@ -4722,82 +5186,106 @@
         <p:spPr/>
         <p:txBody>
           <a:bodyPr>
-            <a:normAutofit fontScale="92500" lnSpcReduction="20000"/>
+            <a:normAutofit/>
           </a:bodyPr>
           <a:lstStyle/>
           <a:p>
             <a:r>
-              <a:rPr kumimoji="1" lang="zh-CN" altLang="en-US" dirty="0" smtClean="0"/>
-              <a:t>适合演示、教学</a:t>
-            </a:r>
-            <a:endParaRPr kumimoji="1" lang="en-US" altLang="zh-CN" dirty="0" smtClean="0"/>
-          </a:p>
-          <a:p>
-            <a:r>
-              <a:rPr kumimoji="1" lang="zh-CN" altLang="en-US" dirty="0" smtClean="0"/>
-              <a:t>活的文档</a:t>
-            </a:r>
-            <a:endParaRPr kumimoji="1" lang="en-US" altLang="zh-CN" dirty="0" smtClean="0"/>
-          </a:p>
-          <a:p>
-            <a:r>
-              <a:rPr kumimoji="1" lang="zh-CN" altLang="en-US" dirty="0" smtClean="0"/>
-              <a:t>榜样的力量</a:t>
-            </a:r>
-            <a:endParaRPr kumimoji="1" lang="en-US" altLang="zh-CN" dirty="0" smtClean="0"/>
-          </a:p>
-          <a:p>
-            <a:r>
-              <a:rPr kumimoji="1" lang="en-US" altLang="zh-CN" dirty="0" smtClean="0"/>
-              <a:t>Demo</a:t>
-            </a:r>
-            <a:r>
-              <a:rPr kumimoji="1" lang="zh-CN" altLang="en-US" dirty="0" smtClean="0"/>
-              <a:t>、模式、框架</a:t>
-            </a:r>
-            <a:endParaRPr kumimoji="1" lang="en-US" altLang="zh-CN" dirty="0" smtClean="0"/>
-          </a:p>
-          <a:p>
-            <a:r>
-              <a:rPr kumimoji="1" lang="zh-CN" altLang="en-US" dirty="0" smtClean="0"/>
+              <a:rPr kumimoji="1" lang="zh-CN" altLang="en-US" sz="2400" dirty="0" smtClean="0"/>
+              <a:t>为某个特定的问题</a:t>
+            </a:r>
+            <a:endParaRPr kumimoji="1" lang="en-US" altLang="zh-CN" sz="2400" dirty="0" smtClean="0"/>
+          </a:p>
+          <a:p>
+            <a:r>
+              <a:rPr kumimoji="1" lang="zh-CN" altLang="en-US" sz="2400" dirty="0" smtClean="0"/>
+              <a:t>化繁为简、细节拆分</a:t>
+            </a:r>
+            <a:endParaRPr kumimoji="1" lang="en-US" altLang="zh-CN" sz="2400" dirty="0" smtClean="0"/>
+          </a:p>
+          <a:p>
+            <a:r>
+              <a:rPr kumimoji="1" lang="zh-CN" altLang="en-US" sz="2400" dirty="0" smtClean="0"/>
+              <a:t>活的榜样</a:t>
+            </a:r>
+            <a:r>
+              <a:rPr kumimoji="1" lang="zh-CN" altLang="zh-CN" sz="2400" dirty="0"/>
+              <a:t>：</a:t>
+            </a:r>
+            <a:r>
+              <a:rPr kumimoji="1" lang="zh-CN" altLang="en-US" sz="2400" dirty="0" smtClean="0"/>
+              <a:t>可运行</a:t>
+            </a:r>
+            <a:r>
+              <a:rPr kumimoji="1" lang="zh-CN" altLang="zh-CN" sz="2400" dirty="0"/>
+              <a:t>、</a:t>
+            </a:r>
+            <a:r>
+              <a:rPr kumimoji="1" lang="zh-CN" altLang="en-US" sz="2400" dirty="0" smtClean="0"/>
+              <a:t>可</a:t>
+            </a:r>
+            <a:r>
+              <a:rPr kumimoji="1" lang="zh-CN" altLang="en-US" sz="2400" dirty="0" smtClean="0"/>
+              <a:t>演示</a:t>
+            </a:r>
+            <a:endParaRPr kumimoji="1" lang="en-US" altLang="zh-CN" sz="2400" dirty="0" smtClean="0"/>
+          </a:p>
+          <a:p>
+            <a:r>
+              <a:rPr kumimoji="1" lang="zh-CN" altLang="en-US" sz="2400" dirty="0" smtClean="0"/>
+              <a:t>一种</a:t>
+            </a:r>
+            <a:r>
+              <a:rPr kumimoji="1" lang="zh-CN" altLang="en-US" sz="2400" dirty="0" smtClean="0"/>
+              <a:t>模式</a:t>
+            </a:r>
+            <a:endParaRPr kumimoji="1" lang="en-US" altLang="zh-CN" sz="2400" dirty="0"/>
+          </a:p>
+          <a:p>
+            <a:r>
+              <a:rPr kumimoji="1" lang="zh-CN" altLang="en-US" sz="2400" dirty="0" smtClean="0"/>
+              <a:t>一个</a:t>
+            </a:r>
+            <a:r>
+              <a:rPr kumimoji="1" lang="zh-CN" altLang="en-US" sz="2400" dirty="0" smtClean="0"/>
+              <a:t>框架</a:t>
+            </a:r>
+            <a:endParaRPr kumimoji="1" lang="en-US" altLang="zh-CN" sz="2400" dirty="0" smtClean="0"/>
+          </a:p>
+          <a:p>
+            <a:r>
+              <a:rPr kumimoji="1" lang="zh-CN" altLang="en-US" sz="2400" dirty="0" smtClean="0"/>
               <a:t>技术经验总结</a:t>
             </a:r>
-            <a:endParaRPr kumimoji="1" lang="en-US" altLang="zh-CN" dirty="0" smtClean="0"/>
-          </a:p>
-          <a:p>
-            <a:r>
-              <a:rPr kumimoji="1" lang="zh-CN" altLang="en-US" dirty="0" smtClean="0"/>
+            <a:endParaRPr kumimoji="1" lang="en-US" altLang="zh-CN" sz="2400" dirty="0" smtClean="0"/>
+          </a:p>
+          <a:p>
+            <a:r>
+              <a:rPr kumimoji="1" lang="zh-CN" altLang="en-US" sz="2400" dirty="0" smtClean="0"/>
+              <a:t>容易</a:t>
+            </a:r>
+            <a:r>
+              <a:rPr kumimoji="1" lang="zh-CN" altLang="en-US" sz="2400" dirty="0" smtClean="0"/>
               <a:t>分享</a:t>
             </a:r>
-            <a:endParaRPr kumimoji="1" lang="en-US" altLang="zh-CN" dirty="0" smtClean="0"/>
-          </a:p>
-          <a:p>
-            <a:r>
-              <a:rPr kumimoji="1" lang="zh-CN" altLang="en-US" dirty="0"/>
-              <a:t>积</a:t>
-            </a:r>
-            <a:r>
-              <a:rPr kumimoji="1" lang="zh-CN" altLang="en-US" dirty="0" smtClean="0"/>
-              <a:t>累</a:t>
-            </a:r>
-            <a:endParaRPr kumimoji="1" lang="en-US" altLang="zh-CN" dirty="0" smtClean="0"/>
-          </a:p>
-          <a:p>
-            <a:r>
-              <a:rPr kumimoji="1" lang="zh-CN" altLang="en-US" dirty="0" smtClean="0"/>
+            <a:endParaRPr kumimoji="1" lang="en-US" altLang="zh-CN" sz="2400" dirty="0" smtClean="0"/>
+          </a:p>
+          <a:p>
+            <a:r>
+              <a:rPr kumimoji="1" lang="zh-CN" altLang="en-US" sz="2400" dirty="0" smtClean="0"/>
               <a:t>温故知新</a:t>
             </a:r>
-            <a:endParaRPr kumimoji="1" lang="en-US" altLang="zh-CN" dirty="0" smtClean="0"/>
-          </a:p>
-          <a:p>
-            <a:r>
-              <a:rPr kumimoji="1" lang="zh-CN" altLang="en-US" dirty="0" smtClean="0"/>
+            <a:endParaRPr kumimoji="1" lang="en-US" altLang="zh-CN" sz="2400" dirty="0" smtClean="0"/>
+          </a:p>
+          <a:p>
+            <a:r>
+              <a:rPr kumimoji="1" lang="zh-CN" altLang="en-US" sz="2400" dirty="0" smtClean="0"/>
               <a:t>固化知识</a:t>
             </a:r>
-            <a:endParaRPr kumimoji="1" lang="zh-CN" altLang="en-US" dirty="0"/>
-          </a:p>
-          <a:p>
-            <a:endParaRPr kumimoji="1" lang="en-US" altLang="zh-CN" dirty="0" smtClean="0"/>
+            <a:endParaRPr kumimoji="1" lang="zh-CN" altLang="en-US" sz="2400" dirty="0"/>
+          </a:p>
+          <a:p>
+            <a:endParaRPr kumimoji="1" lang="en-US" altLang="zh-CN" sz="2400" dirty="0" smtClean="0"/>
           </a:p>
         </p:txBody>
       </p:sp>
@@ -4811,6 +5299,21 @@
   <p:clrMapOvr>
     <a:masterClrMapping/>
   </p:clrMapOvr>
+  <mc:AlternateContent xmlns:mc="http://schemas.openxmlformats.org/markup-compatibility/2006">
+    <mc:Choice xmlns:p14="http://schemas.microsoft.com/office/powerpoint/2010/main" Requires="p14">
+      <p:transition spd="slow" p14:dur="2000"/>
+    </mc:Choice>
+    <mc:Fallback>
+      <p:transition xmlns:p14="http://schemas.microsoft.com/office/powerpoint/2010/main" spd="slow"/>
+    </mc:Fallback>
+  </mc:AlternateContent>
+  <p:timing>
+    <p:tnLst>
+      <p:par>
+        <p:cTn xmlns:p14="http://schemas.microsoft.com/office/powerpoint/2010/main" id="1" dur="indefinite" restart="never" nodeType="tmRoot"/>
+      </p:par>
+    </p:tnLst>
+  </p:timing>
 </p:sld>
 </file>
 
@@ -4870,7 +5373,9 @@
         </p:nvSpPr>
         <p:spPr/>
         <p:txBody>
-          <a:bodyPr/>
+          <a:bodyPr>
+            <a:normAutofit/>
+          </a:bodyPr>
           <a:lstStyle/>
           <a:p>
             <a:r>
@@ -4889,15 +5394,76 @@
           <a:p>
             <a:r>
               <a:rPr kumimoji="1" lang="zh-CN" altLang="en-US" dirty="0" smtClean="0"/>
-              <a:t>使用单一程序语言</a:t>
+              <a:t>使用单一程序语</a:t>
+            </a:r>
+            <a:r>
+              <a:rPr kumimoji="1" lang="zh-CN" altLang="en-US" dirty="0" smtClean="0"/>
+              <a:t>言</a:t>
             </a:r>
             <a:endParaRPr kumimoji="1" lang="en-US" altLang="zh-CN" dirty="0" smtClean="0"/>
           </a:p>
           <a:p>
             <a:r>
               <a:rPr kumimoji="1" lang="zh-CN" altLang="en-US" dirty="0" smtClean="0"/>
+              <a:t>不依赖框架</a:t>
+            </a:r>
+            <a:endParaRPr kumimoji="1" lang="en-US" altLang="zh-CN" dirty="0" smtClean="0"/>
+          </a:p>
+          <a:p>
+            <a:r>
+              <a:rPr kumimoji="1" lang="zh-CN" altLang="en-US" dirty="0" smtClean="0"/>
               <a:t>教科书一般</a:t>
             </a:r>
+            <a:endParaRPr kumimoji="1" lang="en-US" altLang="zh-CN" dirty="0" smtClean="0"/>
+          </a:p>
+          <a:p>
+            <a:pPr>
+              <a:lnSpc>
+                <a:spcPct val="120000"/>
+              </a:lnSpc>
+            </a:pPr>
+            <a:r>
+              <a:rPr kumimoji="1" lang="zh-CN" altLang="en-US" dirty="0" smtClean="0"/>
+              <a:t>高度</a:t>
+            </a:r>
+            <a:r>
+              <a:rPr kumimoji="1" lang="zh-CN" altLang="en-US" dirty="0"/>
+              <a:t>概括</a:t>
+            </a:r>
+            <a:r>
+              <a:rPr kumimoji="1" lang="zh-CN" altLang="en-US" dirty="0" smtClean="0"/>
+              <a:t>、</a:t>
+            </a:r>
+            <a:r>
+              <a:rPr kumimoji="1" lang="zh-CN" altLang="en-US" dirty="0" smtClean="0"/>
+              <a:t>语句凝练</a:t>
+            </a:r>
+            <a:r>
+              <a:rPr kumimoji="1" lang="zh-CN" altLang="en-US" dirty="0" smtClean="0"/>
+              <a:t>、易检索</a:t>
+            </a:r>
+            <a:endParaRPr kumimoji="1" lang="en-US" altLang="zh-CN" dirty="0"/>
+          </a:p>
+          <a:p>
+            <a:pPr>
+              <a:lnSpc>
+                <a:spcPct val="120000"/>
+              </a:lnSpc>
+            </a:pPr>
+            <a:r>
+              <a:rPr kumimoji="1" lang="zh-CN" altLang="en-US" smtClean="0"/>
+              <a:t>知识库，</a:t>
+            </a:r>
+            <a:r>
+              <a:rPr kumimoji="1" lang="zh-CN" altLang="en-US" smtClean="0"/>
+              <a:t>大脑</a:t>
+            </a:r>
+            <a:r>
+              <a:rPr kumimoji="1" lang="zh-CN" altLang="en-US" dirty="0"/>
+              <a:t>的延伸</a:t>
+            </a:r>
+          </a:p>
+          <a:p>
             <a:endParaRPr kumimoji="1" lang="en-US" altLang="zh-CN" dirty="0" smtClean="0"/>
           </a:p>
           <a:p>
@@ -4915,6 +5481,21 @@
   <p:clrMapOvr>
     <a:masterClrMapping/>
   </p:clrMapOvr>
+  <mc:AlternateContent xmlns:mc="http://schemas.openxmlformats.org/markup-compatibility/2006">
+    <mc:Choice xmlns:p14="http://schemas.microsoft.com/office/powerpoint/2010/main" Requires="p14">
+      <p:transition spd="slow" p14:dur="2000"/>
+    </mc:Choice>
+    <mc:Fallback>
+      <p:transition xmlns:p14="http://schemas.microsoft.com/office/powerpoint/2010/main" spd="slow"/>
+    </mc:Fallback>
+  </mc:AlternateContent>
+  <p:timing>
+    <p:tnLst>
+      <p:par>
+        <p:cTn xmlns:p14="http://schemas.microsoft.com/office/powerpoint/2010/main" id="1" dur="indefinite" restart="never" nodeType="tmRoot"/>
+      </p:par>
+    </p:tnLst>
+  </p:timing>
 </p:sld>
 </file>
 
@@ -5005,6 +5586,13 @@
             <a:endParaRPr kumimoji="1" lang="en-US" altLang="zh-CN" dirty="0" smtClean="0"/>
           </a:p>
           <a:p>
+            <a:r>
+              <a:rPr kumimoji="1" lang="zh-CN" altLang="en-US" dirty="0"/>
+              <a:t>用自己最熟悉的语言方式编写</a:t>
+            </a:r>
+            <a:endParaRPr kumimoji="1" lang="en-US" altLang="zh-CN" dirty="0" smtClean="0"/>
+          </a:p>
+          <a:p>
             <a:endParaRPr kumimoji="1" lang="zh-CN" altLang="en-US" dirty="0"/>
           </a:p>
         </p:txBody>
@@ -5019,6 +5607,14 @@
   <p:clrMapOvr>
     <a:masterClrMapping/>
   </p:clrMapOvr>
+  <mc:AlternateContent xmlns:mc="http://schemas.openxmlformats.org/markup-compatibility/2006">
+    <mc:Choice xmlns:p14="http://schemas.microsoft.com/office/powerpoint/2010/main" Requires="p14">
+      <p:transition spd="slow" p14:dur="2000"/>
+    </mc:Choice>
+    <mc:Fallback>
+      <p:transition xmlns:p14="http://schemas.microsoft.com/office/powerpoint/2010/main" spd="slow"/>
+    </mc:Fallback>
+  </mc:AlternateContent>
 </p:sld>
 </file>
 
@@ -5143,6 +5739,14 @@
   <p:clrMapOvr>
     <a:masterClrMapping/>
   </p:clrMapOvr>
+  <mc:AlternateContent xmlns:mc="http://schemas.openxmlformats.org/markup-compatibility/2006">
+    <mc:Choice xmlns:p14="http://schemas.microsoft.com/office/powerpoint/2010/main" Requires="p14">
+      <p:transition spd="slow" p14:dur="2000"/>
+    </mc:Choice>
+    <mc:Fallback>
+      <p:transition xmlns:p14="http://schemas.microsoft.com/office/powerpoint/2010/main" spd="slow"/>
+    </mc:Fallback>
+  </mc:AlternateContent>
 </p:sld>
 </file>
 
@@ -5241,6 +5845,14 @@
   <p:clrMapOvr>
     <a:masterClrMapping/>
   </p:clrMapOvr>
+  <mc:AlternateContent xmlns:mc="http://schemas.openxmlformats.org/markup-compatibility/2006">
+    <mc:Choice xmlns:p14="http://schemas.microsoft.com/office/powerpoint/2010/main" Requires="p14">
+      <p:transition spd="slow" p14:dur="2000"/>
+    </mc:Choice>
+    <mc:Fallback>
+      <p:transition xmlns:p14="http://schemas.microsoft.com/office/powerpoint/2010/main" spd="slow"/>
+    </mc:Fallback>
+  </mc:AlternateContent>
 </p:sld>
 </file>
 
